--- a/Presentations/Phishing.pptx
+++ b/Presentations/Phishing.pptx
@@ -2854,7 +2854,7 @@
             <a:fld id="{5586B75A-687E-405C-8A0B-8D00578BA2C3}" type="datetimeFigureOut">
               <a:rPr lang="en-US" dirty="0"/>
               <a:pPr/>
-              <a:t>3/29/22</a:t>
+              <a:t>4/3/22</a:t>
             </a:fld>
             <a:endParaRPr lang="en-US" dirty="0"/>
           </a:p>
@@ -3021,7 +3021,7 @@
             <a:fld id="{5586B75A-687E-405C-8A0B-8D00578BA2C3}" type="datetimeFigureOut">
               <a:rPr lang="en-US" dirty="0"/>
               <a:pPr/>
-              <a:t>3/29/22</a:t>
+              <a:t>4/3/22</a:t>
             </a:fld>
             <a:endParaRPr lang="en-US" dirty="0"/>
           </a:p>
@@ -3198,7 +3198,7 @@
             <a:fld id="{5586B75A-687E-405C-8A0B-8D00578BA2C3}" type="datetimeFigureOut">
               <a:rPr lang="en-US" dirty="0"/>
               <a:pPr/>
-              <a:t>3/29/22</a:t>
+              <a:t>4/3/22</a:t>
             </a:fld>
             <a:endParaRPr lang="en-US" dirty="0"/>
           </a:p>
@@ -3365,7 +3365,7 @@
             <a:fld id="{5586B75A-687E-405C-8A0B-8D00578BA2C3}" type="datetimeFigureOut">
               <a:rPr lang="en-US" dirty="0"/>
               <a:pPr/>
-              <a:t>3/29/22</a:t>
+              <a:t>4/3/22</a:t>
             </a:fld>
             <a:endParaRPr lang="en-US" dirty="0"/>
           </a:p>
@@ -3620,7 +3620,7 @@
             <a:fld id="{5586B75A-687E-405C-8A0B-8D00578BA2C3}" type="datetimeFigureOut">
               <a:rPr lang="en-US" dirty="0"/>
               <a:pPr/>
-              <a:t>3/29/22</a:t>
+              <a:t>4/3/22</a:t>
             </a:fld>
             <a:endParaRPr lang="en-US" dirty="0"/>
           </a:p>
@@ -3905,7 +3905,7 @@
             <a:fld id="{5586B75A-687E-405C-8A0B-8D00578BA2C3}" type="datetimeFigureOut">
               <a:rPr lang="en-US" dirty="0"/>
               <a:pPr/>
-              <a:t>3/29/22</a:t>
+              <a:t>4/3/22</a:t>
             </a:fld>
             <a:endParaRPr lang="en-US" dirty="0"/>
           </a:p>
@@ -4344,7 +4344,7 @@
             <a:fld id="{5586B75A-687E-405C-8A0B-8D00578BA2C3}" type="datetimeFigureOut">
               <a:rPr lang="en-US" dirty="0"/>
               <a:pPr/>
-              <a:t>3/29/22</a:t>
+              <a:t>4/3/22</a:t>
             </a:fld>
             <a:endParaRPr lang="en-US" dirty="0"/>
           </a:p>
@@ -4459,7 +4459,7 @@
             <a:fld id="{5586B75A-687E-405C-8A0B-8D00578BA2C3}" type="datetimeFigureOut">
               <a:rPr lang="en-US" dirty="0"/>
               <a:pPr/>
-              <a:t>3/29/22</a:t>
+              <a:t>4/3/22</a:t>
             </a:fld>
             <a:endParaRPr lang="en-US" dirty="0"/>
           </a:p>
@@ -4551,7 +4551,7 @@
             <a:fld id="{5586B75A-687E-405C-8A0B-8D00578BA2C3}" type="datetimeFigureOut">
               <a:rPr lang="en-US" dirty="0"/>
               <a:pPr/>
-              <a:t>3/29/22</a:t>
+              <a:t>4/3/22</a:t>
             </a:fld>
             <a:endParaRPr lang="en-US" dirty="0"/>
           </a:p>
@@ -4836,7 +4836,7 @@
             <a:fld id="{5586B75A-687E-405C-8A0B-8D00578BA2C3}" type="datetimeFigureOut">
               <a:rPr lang="en-US" dirty="0"/>
               <a:pPr/>
-              <a:t>3/29/22</a:t>
+              <a:t>4/3/22</a:t>
             </a:fld>
             <a:endParaRPr lang="en-US" dirty="0"/>
           </a:p>
@@ -5106,7 +5106,7 @@
             <a:fld id="{5586B75A-687E-405C-8A0B-8D00578BA2C3}" type="datetimeFigureOut">
               <a:rPr lang="en-US" dirty="0"/>
               <a:pPr/>
-              <a:t>3/29/22</a:t>
+              <a:t>4/3/22</a:t>
             </a:fld>
             <a:endParaRPr lang="en-US" dirty="0"/>
           </a:p>
@@ -5400,7 +5400,7 @@
             <a:fld id="{5586B75A-687E-405C-8A0B-8D00578BA2C3}" type="datetimeFigureOut">
               <a:rPr lang="en-US" dirty="0"/>
               <a:pPr/>
-              <a:t>3/29/22</a:t>
+              <a:t>4/3/22</a:t>
             </a:fld>
             <a:endParaRPr lang="en-US" dirty="0"/>
           </a:p>
@@ -6553,6 +6553,49 @@
           </a:p>
         </p:txBody>
       </p:sp>
+      <p:sp>
+        <p:nvSpPr>
+          <p:cNvPr id="4" name="TextBox 3">
+            <a:extLst>
+              <a:ext uri="{FF2B5EF4-FFF2-40B4-BE49-F238E27FC236}">
+                <a16:creationId xmlns:a16="http://schemas.microsoft.com/office/drawing/2014/main" id="{BFD4897C-8A44-8E49-8ACA-CA669692B66C}"/>
+              </a:ext>
+            </a:extLst>
+          </p:cNvPr>
+          <p:cNvSpPr txBox="1"/>
+          <p:nvPr/>
+        </p:nvSpPr>
+        <p:spPr>
+          <a:xfrm>
+            <a:off x="0" y="6602625"/>
+            <a:ext cx="12104370" cy="246221"/>
+          </a:xfrm>
+          <a:prstGeom prst="rect">
+            <a:avLst/>
+          </a:prstGeom>
+          <a:noFill/>
+        </p:spPr>
+        <p:txBody>
+          <a:bodyPr wrap="square" rtlCol="0">
+            <a:spAutoFit/>
+          </a:bodyPr>
+          <a:lstStyle/>
+          <a:p>
+            <a:r>
+              <a:rPr lang="en-US" sz="1000" dirty="0"/>
+              <a:t>https://</a:t>
+            </a:r>
+            <a:r>
+              <a:rPr lang="en-US" sz="1000" dirty="0" err="1"/>
+              <a:t>www.cisa.gov</a:t>
+            </a:r>
+            <a:r>
+              <a:rPr lang="en-US" sz="1000" dirty="0"/>
+              <a:t>/sites/default/files/publications/NCSAM_Phishing_2020.pdf</a:t>
+            </a:r>
+          </a:p>
+        </p:txBody>
+      </p:sp>
     </p:spTree>
     <p:extLst>
       <p:ext uri="{BB962C8B-B14F-4D97-AF65-F5344CB8AC3E}">
@@ -6810,6 +6853,49 @@
           </a:p>
         </p:txBody>
       </p:sp>
+      <p:sp>
+        <p:nvSpPr>
+          <p:cNvPr id="6" name="TextBox 5">
+            <a:extLst>
+              <a:ext uri="{FF2B5EF4-FFF2-40B4-BE49-F238E27FC236}">
+                <a16:creationId xmlns:a16="http://schemas.microsoft.com/office/drawing/2014/main" id="{9630F25C-E1F0-404F-B348-4C8179CA9631}"/>
+              </a:ext>
+            </a:extLst>
+          </p:cNvPr>
+          <p:cNvSpPr txBox="1"/>
+          <p:nvPr/>
+        </p:nvSpPr>
+        <p:spPr>
+          <a:xfrm>
+            <a:off x="0" y="6602625"/>
+            <a:ext cx="12104370" cy="246221"/>
+          </a:xfrm>
+          <a:prstGeom prst="rect">
+            <a:avLst/>
+          </a:prstGeom>
+          <a:noFill/>
+        </p:spPr>
+        <p:txBody>
+          <a:bodyPr wrap="square" rtlCol="0">
+            <a:spAutoFit/>
+          </a:bodyPr>
+          <a:lstStyle/>
+          <a:p>
+            <a:r>
+              <a:rPr lang="en-US" sz="1000" dirty="0"/>
+              <a:t>https://</a:t>
+            </a:r>
+            <a:r>
+              <a:rPr lang="en-US" sz="1000" dirty="0" err="1"/>
+              <a:t>usa.kaspersky.com</a:t>
+            </a:r>
+            <a:r>
+              <a:rPr lang="en-US" sz="1000" dirty="0"/>
+              <a:t>/resource-center/definitions/spear-phishing</a:t>
+            </a:r>
+          </a:p>
+        </p:txBody>
+      </p:sp>
     </p:spTree>
     <p:extLst>
       <p:ext uri="{BB962C8B-B14F-4D97-AF65-F5344CB8AC3E}">
@@ -7060,6 +7146,49 @@
           </a:p>
         </p:txBody>
       </p:sp>
+      <p:sp>
+        <p:nvSpPr>
+          <p:cNvPr id="7" name="TextBox 6">
+            <a:extLst>
+              <a:ext uri="{FF2B5EF4-FFF2-40B4-BE49-F238E27FC236}">
+                <a16:creationId xmlns:a16="http://schemas.microsoft.com/office/drawing/2014/main" id="{8A0D9183-0ED6-4447-8E58-AB863F2F6E4D}"/>
+              </a:ext>
+            </a:extLst>
+          </p:cNvPr>
+          <p:cNvSpPr txBox="1"/>
+          <p:nvPr/>
+        </p:nvSpPr>
+        <p:spPr>
+          <a:xfrm>
+            <a:off x="0" y="6602625"/>
+            <a:ext cx="12104370" cy="246221"/>
+          </a:xfrm>
+          <a:prstGeom prst="rect">
+            <a:avLst/>
+          </a:prstGeom>
+          <a:noFill/>
+        </p:spPr>
+        <p:txBody>
+          <a:bodyPr wrap="square" rtlCol="0">
+            <a:spAutoFit/>
+          </a:bodyPr>
+          <a:lstStyle/>
+          <a:p>
+            <a:r>
+              <a:rPr lang="en-US" sz="1000" dirty="0"/>
+              <a:t>https://</a:t>
+            </a:r>
+            <a:r>
+              <a:rPr lang="en-US" sz="1000" dirty="0" err="1"/>
+              <a:t>usa.kaspersky.com</a:t>
+            </a:r>
+            <a:r>
+              <a:rPr lang="en-US" sz="1000" dirty="0"/>
+              <a:t>/resource-center/definitions/spear-phishing</a:t>
+            </a:r>
+          </a:p>
+        </p:txBody>
+      </p:sp>
     </p:spTree>
     <p:extLst>
       <p:ext uri="{BB962C8B-B14F-4D97-AF65-F5344CB8AC3E}">
@@ -7186,8 +7315,8 @@
         </p:blipFill>
         <p:spPr bwMode="auto">
           <a:xfrm>
-            <a:off x="-102850" y="10"/>
-            <a:ext cx="12191980" cy="6857990"/>
+            <a:off x="0" y="10"/>
+            <a:ext cx="12089130" cy="6857990"/>
           </a:xfrm>
           <a:prstGeom prst="rect">
             <a:avLst/>
@@ -7335,6 +7464,49 @@
                 <a:schemeClr val="tx1"/>
               </a:solidFill>
             </a:endParaRPr>
+          </a:p>
+        </p:txBody>
+      </p:sp>
+      <p:sp>
+        <p:nvSpPr>
+          <p:cNvPr id="7" name="TextBox 6">
+            <a:extLst>
+              <a:ext uri="{FF2B5EF4-FFF2-40B4-BE49-F238E27FC236}">
+                <a16:creationId xmlns:a16="http://schemas.microsoft.com/office/drawing/2014/main" id="{623D44A7-5B67-BD4C-B879-E0944A38FDE4}"/>
+              </a:ext>
+            </a:extLst>
+          </p:cNvPr>
+          <p:cNvSpPr txBox="1"/>
+          <p:nvPr/>
+        </p:nvSpPr>
+        <p:spPr>
+          <a:xfrm>
+            <a:off x="0" y="6602625"/>
+            <a:ext cx="12104370" cy="246221"/>
+          </a:xfrm>
+          <a:prstGeom prst="rect">
+            <a:avLst/>
+          </a:prstGeom>
+          <a:noFill/>
+        </p:spPr>
+        <p:txBody>
+          <a:bodyPr wrap="square" rtlCol="0">
+            <a:spAutoFit/>
+          </a:bodyPr>
+          <a:lstStyle/>
+          <a:p>
+            <a:r>
+              <a:rPr lang="en-US" sz="1000" dirty="0"/>
+              <a:t>https://</a:t>
+            </a:r>
+            <a:r>
+              <a:rPr lang="en-US" sz="1000" dirty="0" err="1"/>
+              <a:t>usa.kaspersky.com</a:t>
+            </a:r>
+            <a:r>
+              <a:rPr lang="en-US" sz="1000" dirty="0"/>
+              <a:t>/resource-center/definitions/spear-phishing</a:t>
+            </a:r>
           </a:p>
         </p:txBody>
       </p:sp>
